--- a/media/infrastructure.pptx
+++ b/media/infrastructure.pptx
@@ -241,7 +241,7 @@
           <a:p>
             <a:fld id="{245B3880-F4C6-4948-9F48-C0865E4DD07D}" type="datetimeFigureOut">
               <a:rPr lang="zh-CN" altLang="en-US" smtClean="0"/>
-              <a:t>2018/12/24</a:t>
+              <a:t>2019/2/21</a:t>
             </a:fld>
             <a:endParaRPr lang="zh-CN" altLang="en-US"/>
           </a:p>
@@ -409,7 +409,7 @@
           <a:p>
             <a:fld id="{245B3880-F4C6-4948-9F48-C0865E4DD07D}" type="datetimeFigureOut">
               <a:rPr lang="zh-CN" altLang="en-US" smtClean="0"/>
-              <a:t>2018/12/24</a:t>
+              <a:t>2019/2/21</a:t>
             </a:fld>
             <a:endParaRPr lang="zh-CN" altLang="en-US"/>
           </a:p>
@@ -587,7 +587,7 @@
           <a:p>
             <a:fld id="{245B3880-F4C6-4948-9F48-C0865E4DD07D}" type="datetimeFigureOut">
               <a:rPr lang="zh-CN" altLang="en-US" smtClean="0"/>
-              <a:t>2018/12/24</a:t>
+              <a:t>2019/2/21</a:t>
             </a:fld>
             <a:endParaRPr lang="zh-CN" altLang="en-US"/>
           </a:p>
@@ -755,7 +755,7 @@
           <a:p>
             <a:fld id="{245B3880-F4C6-4948-9F48-C0865E4DD07D}" type="datetimeFigureOut">
               <a:rPr lang="zh-CN" altLang="en-US" smtClean="0"/>
-              <a:t>2018/12/24</a:t>
+              <a:t>2019/2/21</a:t>
             </a:fld>
             <a:endParaRPr lang="zh-CN" altLang="en-US"/>
           </a:p>
@@ -1000,7 +1000,7 @@
           <a:p>
             <a:fld id="{245B3880-F4C6-4948-9F48-C0865E4DD07D}" type="datetimeFigureOut">
               <a:rPr lang="zh-CN" altLang="en-US" smtClean="0"/>
-              <a:t>2018/12/24</a:t>
+              <a:t>2019/2/21</a:t>
             </a:fld>
             <a:endParaRPr lang="zh-CN" altLang="en-US"/>
           </a:p>
@@ -1229,7 +1229,7 @@
           <a:p>
             <a:fld id="{245B3880-F4C6-4948-9F48-C0865E4DD07D}" type="datetimeFigureOut">
               <a:rPr lang="zh-CN" altLang="en-US" smtClean="0"/>
-              <a:t>2018/12/24</a:t>
+              <a:t>2019/2/21</a:t>
             </a:fld>
             <a:endParaRPr lang="zh-CN" altLang="en-US"/>
           </a:p>
@@ -1593,7 +1593,7 @@
           <a:p>
             <a:fld id="{245B3880-F4C6-4948-9F48-C0865E4DD07D}" type="datetimeFigureOut">
               <a:rPr lang="zh-CN" altLang="en-US" smtClean="0"/>
-              <a:t>2018/12/24</a:t>
+              <a:t>2019/2/21</a:t>
             </a:fld>
             <a:endParaRPr lang="zh-CN" altLang="en-US"/>
           </a:p>
@@ -1710,7 +1710,7 @@
           <a:p>
             <a:fld id="{245B3880-F4C6-4948-9F48-C0865E4DD07D}" type="datetimeFigureOut">
               <a:rPr lang="zh-CN" altLang="en-US" smtClean="0"/>
-              <a:t>2018/12/24</a:t>
+              <a:t>2019/2/21</a:t>
             </a:fld>
             <a:endParaRPr lang="zh-CN" altLang="en-US"/>
           </a:p>
@@ -1805,7 +1805,7 @@
           <a:p>
             <a:fld id="{245B3880-F4C6-4948-9F48-C0865E4DD07D}" type="datetimeFigureOut">
               <a:rPr lang="zh-CN" altLang="en-US" smtClean="0"/>
-              <a:t>2018/12/24</a:t>
+              <a:t>2019/2/21</a:t>
             </a:fld>
             <a:endParaRPr lang="zh-CN" altLang="en-US"/>
           </a:p>
@@ -2080,7 +2080,7 @@
           <a:p>
             <a:fld id="{245B3880-F4C6-4948-9F48-C0865E4DD07D}" type="datetimeFigureOut">
               <a:rPr lang="zh-CN" altLang="en-US" smtClean="0"/>
-              <a:t>2018/12/24</a:t>
+              <a:t>2019/2/21</a:t>
             </a:fld>
             <a:endParaRPr lang="zh-CN" altLang="en-US"/>
           </a:p>
@@ -2332,7 +2332,7 @@
           <a:p>
             <a:fld id="{245B3880-F4C6-4948-9F48-C0865E4DD07D}" type="datetimeFigureOut">
               <a:rPr lang="zh-CN" altLang="en-US" smtClean="0"/>
-              <a:t>2018/12/24</a:t>
+              <a:t>2019/2/21</a:t>
             </a:fld>
             <a:endParaRPr lang="zh-CN" altLang="en-US"/>
           </a:p>
@@ -2543,7 +2543,7 @@
           <a:p>
             <a:fld id="{245B3880-F4C6-4948-9F48-C0865E4DD07D}" type="datetimeFigureOut">
               <a:rPr lang="zh-CN" altLang="en-US" smtClean="0"/>
-              <a:t>2018/12/24</a:t>
+              <a:t>2019/2/21</a:t>
             </a:fld>
             <a:endParaRPr lang="zh-CN" altLang="en-US"/>
           </a:p>
@@ -3843,8 +3843,8 @@
             <a:p>
               <a:pPr algn="ctr"/>
               <a:r>
-                <a:rPr lang="en-US" altLang="zh-CN" dirty="0"/>
-                <a:t>BI &amp; Report</a:t>
+                <a:rPr lang="en-US" altLang="zh-CN"/>
+                <a:t>Data Report</a:t>
               </a:r>
               <a:endParaRPr lang="zh-CN" altLang="en-US" dirty="0"/>
             </a:p>
